--- a/Study_Summer_vacation/8week/standalone_DL_8week.pptx
+++ b/Study_Summer_vacation/8week/standalone_DL_8week.pptx
@@ -220,7 +220,7 @@
           <a:p>
             <a:fld id="{7C3C1C2B-43AE-4304-8A6B-6DCD2E9813F3}" type="datetimeFigureOut">
               <a:rPr lang="ko-KR" altLang="en-US" smtClean="0"/>
-              <a:t>2021-08-28</a:t>
+              <a:t>2021-08-29</a:t>
             </a:fld>
             <a:endParaRPr lang="ko-KR" altLang="en-US"/>
           </a:p>
@@ -1738,7 +1738,7 @@
           <a:p>
             <a:fld id="{496D7140-383F-425B-8A47-BEEF2D003786}" type="datetimeFigureOut">
               <a:rPr lang="ko-KR" altLang="en-US" smtClean="0"/>
-              <a:t>2021-08-28</a:t>
+              <a:t>2021-08-29</a:t>
             </a:fld>
             <a:endParaRPr lang="ko-KR" altLang="en-US"/>
           </a:p>
@@ -1936,7 +1936,7 @@
           <a:p>
             <a:fld id="{496D7140-383F-425B-8A47-BEEF2D003786}" type="datetimeFigureOut">
               <a:rPr lang="ko-KR" altLang="en-US" smtClean="0"/>
-              <a:t>2021-08-28</a:t>
+              <a:t>2021-08-29</a:t>
             </a:fld>
             <a:endParaRPr lang="ko-KR" altLang="en-US"/>
           </a:p>
@@ -2144,7 +2144,7 @@
           <a:p>
             <a:fld id="{496D7140-383F-425B-8A47-BEEF2D003786}" type="datetimeFigureOut">
               <a:rPr lang="ko-KR" altLang="en-US" smtClean="0"/>
-              <a:t>2021-08-28</a:t>
+              <a:t>2021-08-29</a:t>
             </a:fld>
             <a:endParaRPr lang="ko-KR" altLang="en-US"/>
           </a:p>
@@ -2342,7 +2342,7 @@
           <a:p>
             <a:fld id="{496D7140-383F-425B-8A47-BEEF2D003786}" type="datetimeFigureOut">
               <a:rPr lang="ko-KR" altLang="en-US" smtClean="0"/>
-              <a:t>2021-08-28</a:t>
+              <a:t>2021-08-29</a:t>
             </a:fld>
             <a:endParaRPr lang="ko-KR" altLang="en-US"/>
           </a:p>
@@ -2617,7 +2617,7 @@
           <a:p>
             <a:fld id="{496D7140-383F-425B-8A47-BEEF2D003786}" type="datetimeFigureOut">
               <a:rPr lang="ko-KR" altLang="en-US" smtClean="0"/>
-              <a:t>2021-08-28</a:t>
+              <a:t>2021-08-29</a:t>
             </a:fld>
             <a:endParaRPr lang="ko-KR" altLang="en-US"/>
           </a:p>
@@ -2882,7 +2882,7 @@
           <a:p>
             <a:fld id="{496D7140-383F-425B-8A47-BEEF2D003786}" type="datetimeFigureOut">
               <a:rPr lang="ko-KR" altLang="en-US" smtClean="0"/>
-              <a:t>2021-08-28</a:t>
+              <a:t>2021-08-29</a:t>
             </a:fld>
             <a:endParaRPr lang="ko-KR" altLang="en-US"/>
           </a:p>
@@ -3294,7 +3294,7 @@
           <a:p>
             <a:fld id="{496D7140-383F-425B-8A47-BEEF2D003786}" type="datetimeFigureOut">
               <a:rPr lang="ko-KR" altLang="en-US" smtClean="0"/>
-              <a:t>2021-08-28</a:t>
+              <a:t>2021-08-29</a:t>
             </a:fld>
             <a:endParaRPr lang="ko-KR" altLang="en-US"/>
           </a:p>
@@ -3435,7 +3435,7 @@
           <a:p>
             <a:fld id="{496D7140-383F-425B-8A47-BEEF2D003786}" type="datetimeFigureOut">
               <a:rPr lang="ko-KR" altLang="en-US" smtClean="0"/>
-              <a:t>2021-08-28</a:t>
+              <a:t>2021-08-29</a:t>
             </a:fld>
             <a:endParaRPr lang="ko-KR" altLang="en-US"/>
           </a:p>
@@ -3548,7 +3548,7 @@
           <a:p>
             <a:fld id="{496D7140-383F-425B-8A47-BEEF2D003786}" type="datetimeFigureOut">
               <a:rPr lang="ko-KR" altLang="en-US" smtClean="0"/>
-              <a:t>2021-08-28</a:t>
+              <a:t>2021-08-29</a:t>
             </a:fld>
             <a:endParaRPr lang="ko-KR" altLang="en-US"/>
           </a:p>
@@ -3859,7 +3859,7 @@
           <a:p>
             <a:fld id="{496D7140-383F-425B-8A47-BEEF2D003786}" type="datetimeFigureOut">
               <a:rPr lang="ko-KR" altLang="en-US" smtClean="0"/>
-              <a:t>2021-08-28</a:t>
+              <a:t>2021-08-29</a:t>
             </a:fld>
             <a:endParaRPr lang="ko-KR" altLang="en-US"/>
           </a:p>
@@ -4147,7 +4147,7 @@
           <a:p>
             <a:fld id="{496D7140-383F-425B-8A47-BEEF2D003786}" type="datetimeFigureOut">
               <a:rPr lang="ko-KR" altLang="en-US" smtClean="0"/>
-              <a:t>2021-08-28</a:t>
+              <a:t>2021-08-29</a:t>
             </a:fld>
             <a:endParaRPr lang="ko-KR" altLang="en-US"/>
           </a:p>
@@ -4388,7 +4388,7 @@
           <a:p>
             <a:fld id="{496D7140-383F-425B-8A47-BEEF2D003786}" type="datetimeFigureOut">
               <a:rPr lang="ko-KR" altLang="en-US" smtClean="0"/>
-              <a:t>2021-08-28</a:t>
+              <a:t>2021-08-29</a:t>
             </a:fld>
             <a:endParaRPr lang="ko-KR" altLang="en-US"/>
           </a:p>
@@ -5616,7 +5616,7 @@
         <p:spPr>
           <a:xfrm>
             <a:off x="5653323" y="4923979"/>
-            <a:ext cx="2618024" cy="646331"/>
+            <a:ext cx="2893741" cy="646331"/>
           </a:xfrm>
           <a:prstGeom prst="rect">
             <a:avLst/>
@@ -5629,15 +5629,22 @@
           <a:lstStyle/>
           <a:p>
             <a:r>
-              <a:rPr lang="ko-KR" altLang="en-US" sz="3600" dirty="0">
+              <a:rPr lang="en-US" altLang="ko-KR" sz="3600" dirty="0">
                 <a:solidFill>
                   <a:srgbClr val="FF0000"/>
                 </a:solidFill>
                 <a:latin typeface="경기천년제목V Bold" panose="02020803020101020101" pitchFamily="18" charset="-127"/>
                 <a:ea typeface="경기천년제목V Bold" panose="02020803020101020101" pitchFamily="18" charset="-127"/>
               </a:rPr>
-              <a:t>계산기 다시</a:t>
-            </a:r>
+              <a:t>271,351,808</a:t>
+            </a:r>
+            <a:endParaRPr lang="ko-KR" altLang="en-US" sz="3600" dirty="0">
+              <a:solidFill>
+                <a:srgbClr val="FF0000"/>
+              </a:solidFill>
+              <a:latin typeface="경기천년제목V Bold" panose="02020803020101020101" pitchFamily="18" charset="-127"/>
+              <a:ea typeface="경기천년제목V Bold" panose="02020803020101020101" pitchFamily="18" charset="-127"/>
+            </a:endParaRPr>
           </a:p>
         </p:txBody>
       </p:sp>
@@ -8183,8 +8190,8 @@
           </a:p>
         </p:txBody>
       </p:sp>
-      <mc:AlternateContent xmlns:mc="http://schemas.openxmlformats.org/markup-compatibility/2006">
-        <mc:Choice xmlns:a14="http://schemas.microsoft.com/office/drawing/2010/main" Requires="a14">
+      <mc:AlternateContent xmlns:mc="http://schemas.openxmlformats.org/markup-compatibility/2006" xmlns:a14="http://schemas.microsoft.com/office/drawing/2010/main">
+        <mc:Choice Requires="a14">
           <p:sp>
             <p:nvSpPr>
               <p:cNvPr id="26" name="TextBox 25">
@@ -8292,7 +8299,7 @@
             </p:txBody>
           </p:sp>
         </mc:Choice>
-        <mc:Fallback>
+        <mc:Fallback xmlns="">
           <p:sp>
             <p:nvSpPr>
               <p:cNvPr id="26" name="TextBox 25">
@@ -8337,8 +8344,8 @@
           </p:sp>
         </mc:Fallback>
       </mc:AlternateContent>
-      <mc:AlternateContent xmlns:mc="http://schemas.openxmlformats.org/markup-compatibility/2006">
-        <mc:Choice xmlns:a14="http://schemas.microsoft.com/office/drawing/2010/main" Requires="a14">
+      <mc:AlternateContent xmlns:mc="http://schemas.openxmlformats.org/markup-compatibility/2006" xmlns:a14="http://schemas.microsoft.com/office/drawing/2010/main">
+        <mc:Choice Requires="a14">
           <p:sp>
             <p:nvSpPr>
               <p:cNvPr id="27" name="TextBox 26">
@@ -8446,7 +8453,7 @@
             </p:txBody>
           </p:sp>
         </mc:Choice>
-        <mc:Fallback>
+        <mc:Fallback xmlns="">
           <p:sp>
             <p:nvSpPr>
               <p:cNvPr id="27" name="TextBox 26">

--- a/Study_Summer_vacation/8week/standalone_DL_8week.pptx
+++ b/Study_Summer_vacation/8week/standalone_DL_8week.pptx
@@ -220,7 +220,7 @@
           <a:p>
             <a:fld id="{7C3C1C2B-43AE-4304-8A6B-6DCD2E9813F3}" type="datetimeFigureOut">
               <a:rPr lang="ko-KR" altLang="en-US" smtClean="0"/>
-              <a:t>2021-08-29</a:t>
+              <a:t>2021-08-31</a:t>
             </a:fld>
             <a:endParaRPr lang="ko-KR" altLang="en-US"/>
           </a:p>
@@ -1738,7 +1738,7 @@
           <a:p>
             <a:fld id="{496D7140-383F-425B-8A47-BEEF2D003786}" type="datetimeFigureOut">
               <a:rPr lang="ko-KR" altLang="en-US" smtClean="0"/>
-              <a:t>2021-08-29</a:t>
+              <a:t>2021-08-31</a:t>
             </a:fld>
             <a:endParaRPr lang="ko-KR" altLang="en-US"/>
           </a:p>
@@ -1936,7 +1936,7 @@
           <a:p>
             <a:fld id="{496D7140-383F-425B-8A47-BEEF2D003786}" type="datetimeFigureOut">
               <a:rPr lang="ko-KR" altLang="en-US" smtClean="0"/>
-              <a:t>2021-08-29</a:t>
+              <a:t>2021-08-31</a:t>
             </a:fld>
             <a:endParaRPr lang="ko-KR" altLang="en-US"/>
           </a:p>
@@ -2144,7 +2144,7 @@
           <a:p>
             <a:fld id="{496D7140-383F-425B-8A47-BEEF2D003786}" type="datetimeFigureOut">
               <a:rPr lang="ko-KR" altLang="en-US" smtClean="0"/>
-              <a:t>2021-08-29</a:t>
+              <a:t>2021-08-31</a:t>
             </a:fld>
             <a:endParaRPr lang="ko-KR" altLang="en-US"/>
           </a:p>
@@ -2342,7 +2342,7 @@
           <a:p>
             <a:fld id="{496D7140-383F-425B-8A47-BEEF2D003786}" type="datetimeFigureOut">
               <a:rPr lang="ko-KR" altLang="en-US" smtClean="0"/>
-              <a:t>2021-08-29</a:t>
+              <a:t>2021-08-31</a:t>
             </a:fld>
             <a:endParaRPr lang="ko-KR" altLang="en-US"/>
           </a:p>
@@ -2617,7 +2617,7 @@
           <a:p>
             <a:fld id="{496D7140-383F-425B-8A47-BEEF2D003786}" type="datetimeFigureOut">
               <a:rPr lang="ko-KR" altLang="en-US" smtClean="0"/>
-              <a:t>2021-08-29</a:t>
+              <a:t>2021-08-31</a:t>
             </a:fld>
             <a:endParaRPr lang="ko-KR" altLang="en-US"/>
           </a:p>
@@ -2882,7 +2882,7 @@
           <a:p>
             <a:fld id="{496D7140-383F-425B-8A47-BEEF2D003786}" type="datetimeFigureOut">
               <a:rPr lang="ko-KR" altLang="en-US" smtClean="0"/>
-              <a:t>2021-08-29</a:t>
+              <a:t>2021-08-31</a:t>
             </a:fld>
             <a:endParaRPr lang="ko-KR" altLang="en-US"/>
           </a:p>
@@ -3294,7 +3294,7 @@
           <a:p>
             <a:fld id="{496D7140-383F-425B-8A47-BEEF2D003786}" type="datetimeFigureOut">
               <a:rPr lang="ko-KR" altLang="en-US" smtClean="0"/>
-              <a:t>2021-08-29</a:t>
+              <a:t>2021-08-31</a:t>
             </a:fld>
             <a:endParaRPr lang="ko-KR" altLang="en-US"/>
           </a:p>
@@ -3435,7 +3435,7 @@
           <a:p>
             <a:fld id="{496D7140-383F-425B-8A47-BEEF2D003786}" type="datetimeFigureOut">
               <a:rPr lang="ko-KR" altLang="en-US" smtClean="0"/>
-              <a:t>2021-08-29</a:t>
+              <a:t>2021-08-31</a:t>
             </a:fld>
             <a:endParaRPr lang="ko-KR" altLang="en-US"/>
           </a:p>
@@ -3548,7 +3548,7 @@
           <a:p>
             <a:fld id="{496D7140-383F-425B-8A47-BEEF2D003786}" type="datetimeFigureOut">
               <a:rPr lang="ko-KR" altLang="en-US" smtClean="0"/>
-              <a:t>2021-08-29</a:t>
+              <a:t>2021-08-31</a:t>
             </a:fld>
             <a:endParaRPr lang="ko-KR" altLang="en-US"/>
           </a:p>
@@ -3859,7 +3859,7 @@
           <a:p>
             <a:fld id="{496D7140-383F-425B-8A47-BEEF2D003786}" type="datetimeFigureOut">
               <a:rPr lang="ko-KR" altLang="en-US" smtClean="0"/>
-              <a:t>2021-08-29</a:t>
+              <a:t>2021-08-31</a:t>
             </a:fld>
             <a:endParaRPr lang="ko-KR" altLang="en-US"/>
           </a:p>
@@ -4147,7 +4147,7 @@
           <a:p>
             <a:fld id="{496D7140-383F-425B-8A47-BEEF2D003786}" type="datetimeFigureOut">
               <a:rPr lang="ko-KR" altLang="en-US" smtClean="0"/>
-              <a:t>2021-08-29</a:t>
+              <a:t>2021-08-31</a:t>
             </a:fld>
             <a:endParaRPr lang="ko-KR" altLang="en-US"/>
           </a:p>
@@ -4388,7 +4388,7 @@
           <a:p>
             <a:fld id="{496D7140-383F-425B-8A47-BEEF2D003786}" type="datetimeFigureOut">
               <a:rPr lang="ko-KR" altLang="en-US" smtClean="0"/>
-              <a:t>2021-08-29</a:t>
+              <a:t>2021-08-31</a:t>
             </a:fld>
             <a:endParaRPr lang="ko-KR" altLang="en-US"/>
           </a:p>
@@ -10421,14 +10421,14 @@
               </a:lnSpc>
             </a:pPr>
             <a:r>
-              <a:rPr lang="en-US" altLang="ko-KR" sz="2000" dirty="0" err="1">
+              <a:rPr lang="en-US" altLang="ko-KR" sz="2000" dirty="0">
                 <a:solidFill>
                   <a:srgbClr val="333333"/>
                 </a:solidFill>
                 <a:latin typeface="경기천년제목 Medium" panose="02020603020101020101" pitchFamily="18" charset="-127"/>
                 <a:ea typeface="경기천년제목 Medium" panose="02020603020101020101" pitchFamily="18" charset="-127"/>
               </a:rPr>
-              <a:t>Acitvation</a:t>
+              <a:t>Activation</a:t>
             </a:r>
             <a:r>
               <a:rPr lang="ko-KR" altLang="en-US" sz="2000" dirty="0">
@@ -10771,16 +10771,6 @@
                 </a:lnSpc>
               </a:pPr>
               <a:r>
-                <a:rPr lang="en-US" altLang="ko-KR" sz="2000" dirty="0" err="1">
-                  <a:solidFill>
-                    <a:srgbClr val="333333"/>
-                  </a:solidFill>
-                  <a:latin typeface="경기천년제목 Medium" panose="02020603020101020101" pitchFamily="18" charset="-127"/>
-                  <a:ea typeface="경기천년제목 Medium" panose="02020603020101020101" pitchFamily="18" charset="-127"/>
-                </a:rPr>
-                <a:t>Nomalization</a:t>
-              </a:r>
-              <a:r>
                 <a:rPr lang="en-US" altLang="ko-KR" sz="2000" dirty="0">
                   <a:solidFill>
                     <a:srgbClr val="333333"/>
@@ -10788,7 +10778,7 @@
                   <a:latin typeface="경기천년제목 Medium" panose="02020603020101020101" pitchFamily="18" charset="-127"/>
                   <a:ea typeface="경기천년제목 Medium" panose="02020603020101020101" pitchFamily="18" charset="-127"/>
                 </a:rPr>
-                <a:t> Layer </a:t>
+                <a:t>Normalization Layer </a:t>
               </a:r>
               <a:r>
                 <a:rPr lang="ko-KR" altLang="en-US" sz="2000" dirty="0">
@@ -11963,50 +11953,6 @@
       </p:cxnSp>
       <p:cxnSp>
         <p:nvCxnSpPr>
-          <p:cNvPr id="48" name="직선 화살표 연결선 47">
-            <a:extLst>
-              <a:ext uri="{FF2B5EF4-FFF2-40B4-BE49-F238E27FC236}">
-                <a16:creationId xmlns:a16="http://schemas.microsoft.com/office/drawing/2014/main" id="{C1259FB7-6FBB-427D-A1D7-B766E3C5C588}"/>
-              </a:ext>
-            </a:extLst>
-          </p:cNvPr>
-          <p:cNvCxnSpPr>
-            <a:cxnSpLocks/>
-          </p:cNvCxnSpPr>
-          <p:nvPr/>
-        </p:nvCxnSpPr>
-        <p:spPr>
-          <a:xfrm flipV="1">
-            <a:off x="6829425" y="4411111"/>
-            <a:ext cx="0" cy="447675"/>
-          </a:xfrm>
-          <a:prstGeom prst="straightConnector1">
-            <a:avLst/>
-          </a:prstGeom>
-          <a:ln w="57150">
-            <a:solidFill>
-              <a:srgbClr val="FF0000"/>
-            </a:solidFill>
-            <a:tailEnd type="triangle"/>
-          </a:ln>
-        </p:spPr>
-        <p:style>
-          <a:lnRef idx="1">
-            <a:schemeClr val="accent1"/>
-          </a:lnRef>
-          <a:fillRef idx="0">
-            <a:schemeClr val="accent1"/>
-          </a:fillRef>
-          <a:effectRef idx="0">
-            <a:schemeClr val="accent1"/>
-          </a:effectRef>
-          <a:fontRef idx="minor">
-            <a:schemeClr val="tx1"/>
-          </a:fontRef>
-        </p:style>
-      </p:cxnSp>
-      <p:cxnSp>
-        <p:nvCxnSpPr>
           <p:cNvPr id="49" name="직선 화살표 연결선 48">
             <a:extLst>
               <a:ext uri="{FF2B5EF4-FFF2-40B4-BE49-F238E27FC236}">
@@ -12196,6 +12142,52 @@
           </a:p>
         </p:txBody>
       </p:sp>
+      <p:cxnSp>
+        <p:nvCxnSpPr>
+          <p:cNvPr id="19" name="직선 화살표 연결선 18">
+            <a:extLst>
+              <a:ext uri="{FF2B5EF4-FFF2-40B4-BE49-F238E27FC236}">
+                <a16:creationId xmlns:a16="http://schemas.microsoft.com/office/drawing/2014/main" id="{F85DEF0E-2F64-4479-8E15-0E656739EE3A}"/>
+              </a:ext>
+            </a:extLst>
+          </p:cNvPr>
+          <p:cNvCxnSpPr>
+            <a:cxnSpLocks/>
+          </p:cNvCxnSpPr>
+          <p:nvPr/>
+        </p:nvCxnSpPr>
+        <p:spPr>
+          <a:xfrm>
+            <a:off x="6829425" y="4419506"/>
+            <a:ext cx="0" cy="475213"/>
+          </a:xfrm>
+          <a:prstGeom prst="straightConnector1">
+            <a:avLst/>
+          </a:prstGeom>
+          <a:ln w="57150">
+            <a:solidFill>
+              <a:schemeClr val="accent1">
+                <a:lumMod val="75000"/>
+              </a:schemeClr>
+            </a:solidFill>
+            <a:tailEnd type="triangle"/>
+          </a:ln>
+        </p:spPr>
+        <p:style>
+          <a:lnRef idx="1">
+            <a:schemeClr val="accent1"/>
+          </a:lnRef>
+          <a:fillRef idx="0">
+            <a:schemeClr val="accent1"/>
+          </a:fillRef>
+          <a:effectRef idx="0">
+            <a:schemeClr val="accent1"/>
+          </a:effectRef>
+          <a:fontRef idx="minor">
+            <a:schemeClr val="tx1"/>
+          </a:fontRef>
+        </p:style>
+      </p:cxnSp>
     </p:spTree>
     <p:extLst>
       <p:ext uri="{BB962C8B-B14F-4D97-AF65-F5344CB8AC3E}">
@@ -14470,25 +14462,8 @@
                   <a:latin typeface="경기천년제목 Medium" panose="02020603020101020101" pitchFamily="18" charset="-127"/>
                   <a:ea typeface="경기천년제목 Medium" panose="02020603020101020101" pitchFamily="18" charset="-127"/>
                 </a:rPr>
-                <a:t>Fewer </a:t>
+                <a:t>Fewer Parameter</a:t>
               </a:r>
-              <a:r>
-                <a:rPr lang="en-US" altLang="ko-KR" sz="2000" dirty="0" err="1">
-                  <a:solidFill>
-                    <a:srgbClr val="333333"/>
-                  </a:solidFill>
-                  <a:latin typeface="경기천년제목 Medium" panose="02020603020101020101" pitchFamily="18" charset="-127"/>
-                  <a:ea typeface="경기천년제목 Medium" panose="02020603020101020101" pitchFamily="18" charset="-127"/>
-                </a:rPr>
-                <a:t>Paramter</a:t>
-              </a:r>
-              <a:endParaRPr lang="en-US" altLang="ko-KR" sz="2000" dirty="0">
-                <a:solidFill>
-                  <a:srgbClr val="333333"/>
-                </a:solidFill>
-                <a:latin typeface="경기천년제목 Medium" panose="02020603020101020101" pitchFamily="18" charset="-127"/>
-                <a:ea typeface="경기천년제목 Medium" panose="02020603020101020101" pitchFamily="18" charset="-127"/>
-              </a:endParaRPr>
             </a:p>
           </p:txBody>
         </p:sp>
